--- a/hw/ps1/ps1 report.pptx
+++ b/hw/ps1/ps1 report.pptx
@@ -5,16 +5,17 @@
     <p:sldMasterId id="2147483659" r:id="rId1"/>
   </p:sldMasterIdLst>
   <p:notesMasterIdLst>
-    <p:notesMasterId r:id="rId9"/>
+    <p:notesMasterId r:id="rId10"/>
   </p:notesMasterIdLst>
   <p:sldIdLst>
     <p:sldId id="256" r:id="rId2"/>
     <p:sldId id="258" r:id="rId3"/>
     <p:sldId id="259" r:id="rId4"/>
     <p:sldId id="260" r:id="rId5"/>
-    <p:sldId id="261" r:id="rId6"/>
-    <p:sldId id="262" r:id="rId7"/>
-    <p:sldId id="263" r:id="rId8"/>
+    <p:sldId id="264" r:id="rId6"/>
+    <p:sldId id="261" r:id="rId7"/>
+    <p:sldId id="262" r:id="rId8"/>
+    <p:sldId id="263" r:id="rId9"/>
   </p:sldIdLst>
   <p:sldSz cx="9144000" cy="5143500" type="screen16x9"/>
   <p:notesSz cx="6858000" cy="9144000"/>
@@ -1346,6 +1347,133 @@
   <p:cSld>
     <p:spTree>
       <p:nvGrpSpPr>
+        <p:cNvPr id="1" name="Shape 74"/>
+        <p:cNvGrpSpPr/>
+        <p:nvPr/>
+      </p:nvGrpSpPr>
+      <p:grpSpPr>
+        <a:xfrm>
+          <a:off x="0" y="0"/>
+          <a:ext cx="0" cy="0"/>
+          <a:chOff x="0" y="0"/>
+          <a:chExt cx="0" cy="0"/>
+        </a:xfrm>
+      </p:grpSpPr>
+      <p:sp>
+        <p:nvSpPr>
+          <p:cNvPr id="75" name="Google Shape;75;p5:notes"/>
+          <p:cNvSpPr>
+            <a:spLocks noGrp="1" noRot="1" noChangeAspect="1"/>
+          </p:cNvSpPr>
+          <p:nvPr>
+            <p:ph type="sldImg" idx="2"/>
+          </p:nvPr>
+        </p:nvSpPr>
+        <p:spPr>
+          <a:xfrm>
+            <a:off x="381000" y="685800"/>
+            <a:ext cx="6096000" cy="3429000"/>
+          </a:xfrm>
+          <a:custGeom>
+            <a:avLst/>
+            <a:gdLst/>
+            <a:ahLst/>
+            <a:cxnLst/>
+            <a:rect l="l" t="t" r="r" b="b"/>
+            <a:pathLst>
+              <a:path w="120000" h="120000" extrusionOk="0">
+                <a:moveTo>
+                  <a:pt x="0" y="0"/>
+                </a:moveTo>
+                <a:lnTo>
+                  <a:pt x="120000" y="0"/>
+                </a:lnTo>
+                <a:lnTo>
+                  <a:pt x="120000" y="120000"/>
+                </a:lnTo>
+                <a:lnTo>
+                  <a:pt x="0" y="120000"/>
+                </a:lnTo>
+                <a:close/>
+              </a:path>
+            </a:pathLst>
+          </a:custGeom>
+          <a:noFill/>
+          <a:ln w="9525" cap="flat" cmpd="sng">
+            <a:solidFill>
+              <a:srgbClr val="000000"/>
+            </a:solidFill>
+            <a:prstDash val="solid"/>
+            <a:round/>
+            <a:headEnd type="none" w="sm" len="sm"/>
+            <a:tailEnd type="none" w="sm" len="sm"/>
+          </a:ln>
+        </p:spPr>
+      </p:sp>
+      <p:sp>
+        <p:nvSpPr>
+          <p:cNvPr id="76" name="Google Shape;76;p5:notes"/>
+          <p:cNvSpPr txBox="1">
+            <a:spLocks noGrp="1"/>
+          </p:cNvSpPr>
+          <p:nvPr>
+            <p:ph type="body" idx="1"/>
+          </p:nvPr>
+        </p:nvSpPr>
+        <p:spPr>
+          <a:xfrm>
+            <a:off x="685800" y="4343400"/>
+            <a:ext cx="5486400" cy="4114800"/>
+          </a:xfrm>
+          <a:prstGeom prst="rect">
+            <a:avLst/>
+          </a:prstGeom>
+          <a:noFill/>
+          <a:ln>
+            <a:noFill/>
+          </a:ln>
+        </p:spPr>
+        <p:txBody>
+          <a:bodyPr spcFirstLastPara="1" wrap="square" lIns="91425" tIns="91425" rIns="91425" bIns="91425" anchor="t" anchorCtr="0">
+            <a:noAutofit/>
+          </a:bodyPr>
+          <a:lstStyle/>
+          <a:p>
+            <a:pPr marL="0" lvl="0" indent="0" algn="l" rtl="0">
+              <a:lnSpc>
+                <a:spcPct val="100000"/>
+              </a:lnSpc>
+              <a:spcBef>
+                <a:spcPts val="0"/>
+              </a:spcBef>
+              <a:spcAft>
+                <a:spcPts val="0"/>
+              </a:spcAft>
+              <a:buSzPts val="1100"/>
+              <a:buNone/>
+            </a:pPr>
+            <a:endParaRPr/>
+          </a:p>
+        </p:txBody>
+      </p:sp>
+    </p:spTree>
+    <p:extLst>
+      <p:ext uri="{BB962C8B-B14F-4D97-AF65-F5344CB8AC3E}">
+        <p14:creationId xmlns:p14="http://schemas.microsoft.com/office/powerpoint/2010/main" val="2050022179"/>
+      </p:ext>
+    </p:extLst>
+  </p:cSld>
+  <p:clrMapOvr>
+    <a:masterClrMapping/>
+  </p:clrMapOvr>
+</p:notes>
+</file>
+
+<file path=ppt/notesSlides/notesSlide6.xml><?xml version="1.0" encoding="utf-8"?>
+<p:notes xmlns:a="http://schemas.openxmlformats.org/drawingml/2006/main" xmlns:r="http://schemas.openxmlformats.org/officeDocument/2006/relationships" xmlns:p="http://schemas.openxmlformats.org/presentationml/2006/main" showMasterSp="0" showMasterPhAnim="0">
+  <p:cSld>
+    <p:spTree>
+      <p:nvGrpSpPr>
         <p:cNvPr id="1" name="Shape 80"/>
         <p:cNvGrpSpPr/>
         <p:nvPr/>
@@ -1463,7 +1591,7 @@
 </p:notes>
 </file>
 
-<file path=ppt/notesSlides/notesSlide6.xml><?xml version="1.0" encoding="utf-8"?>
+<file path=ppt/notesSlides/notesSlide7.xml><?xml version="1.0" encoding="utf-8"?>
 <p:notes xmlns:a="http://schemas.openxmlformats.org/drawingml/2006/main" xmlns:r="http://schemas.openxmlformats.org/officeDocument/2006/relationships" xmlns:p="http://schemas.openxmlformats.org/presentationml/2006/main" showMasterSp="0" showMasterPhAnim="0">
   <p:cSld>
     <p:spTree>
@@ -1585,7 +1713,7 @@
 </p:notes>
 </file>
 
-<file path=ppt/notesSlides/notesSlide7.xml><?xml version="1.0" encoding="utf-8"?>
+<file path=ppt/notesSlides/notesSlide8.xml><?xml version="1.0" encoding="utf-8"?>
 <p:notes xmlns:a="http://schemas.openxmlformats.org/drawingml/2006/main" xmlns:r="http://schemas.openxmlformats.org/officeDocument/2006/relationships" xmlns:p="http://schemas.openxmlformats.org/presentationml/2006/main" showMasterSp="0" showMasterPhAnim="0">
   <p:cSld>
     <p:spTree>
@@ -12307,6 +12435,827 @@
   <p:cSld>
     <p:spTree>
       <p:nvGrpSpPr>
+        <p:cNvPr id="1" name="Shape 77"/>
+        <p:cNvGrpSpPr/>
+        <p:nvPr/>
+      </p:nvGrpSpPr>
+      <p:grpSpPr>
+        <a:xfrm>
+          <a:off x="0" y="0"/>
+          <a:ext cx="0" cy="0"/>
+          <a:chOff x="0" y="0"/>
+          <a:chExt cx="0" cy="0"/>
+        </a:xfrm>
+      </p:grpSpPr>
+      <p:sp>
+        <p:nvSpPr>
+          <p:cNvPr id="78" name="Google Shape;78;p17"/>
+          <p:cNvSpPr txBox="1">
+            <a:spLocks noGrp="1"/>
+          </p:cNvSpPr>
+          <p:nvPr>
+            <p:ph type="body" idx="1"/>
+          </p:nvPr>
+        </p:nvSpPr>
+        <p:spPr>
+          <a:xfrm>
+            <a:off x="311700" y="438800"/>
+            <a:ext cx="3999900" cy="4130100"/>
+          </a:xfrm>
+          <a:prstGeom prst="rect">
+            <a:avLst/>
+          </a:prstGeom>
+          <a:noFill/>
+          <a:ln>
+            <a:noFill/>
+          </a:ln>
+        </p:spPr>
+        <p:txBody>
+          <a:bodyPr spcFirstLastPara="1" wrap="square" lIns="91425" tIns="91425" rIns="91425" bIns="91425" anchor="t" anchorCtr="0">
+            <a:noAutofit/>
+          </a:bodyPr>
+          <a:lstStyle/>
+          <a:p>
+            <a:pPr marL="0" lvl="0" indent="0" algn="l" rtl="0">
+              <a:lnSpc>
+                <a:spcPct val="100000"/>
+              </a:lnSpc>
+              <a:spcBef>
+                <a:spcPts val="0"/>
+              </a:spcBef>
+              <a:spcAft>
+                <a:spcPts val="0"/>
+              </a:spcAft>
+              <a:buClr>
+                <a:schemeClr val="dk1"/>
+              </a:buClr>
+              <a:buSzPts val="2800"/>
+              <a:buFont typeface="Arial"/>
+              <a:buNone/>
+            </a:pPr>
+            <a:r>
+              <a:rPr lang="en" b="1" dirty="0"/>
+              <a:t>2.3</a:t>
+            </a:r>
+            <a:r>
+              <a:rPr lang="en" sz="1200" dirty="0">
+                <a:solidFill>
+                  <a:schemeClr val="dk1"/>
+                </a:solidFill>
+              </a:rPr>
+              <a:t> </a:t>
+            </a:r>
+            <a:r>
+              <a:rPr lang="en-US" sz="1200" dirty="0">
+                <a:solidFill>
+                  <a:schemeClr val="dk1"/>
+                </a:solidFill>
+              </a:rPr>
+              <a:t>Create and return a new matrix </a:t>
+            </a:r>
+            <a:r>
+              <a:rPr lang="en" sz="1200" dirty="0">
+                <a:solidFill>
+                  <a:schemeClr val="dk1"/>
+                </a:solidFill>
+                <a:latin typeface="Courier New"/>
+                <a:cs typeface="Courier New"/>
+                <a:sym typeface="Courier New"/>
+              </a:rPr>
+              <a:t>X </a:t>
+            </a:r>
+            <a:r>
+              <a:rPr lang="en-US" sz="1200" dirty="0">
+                <a:solidFill>
+                  <a:schemeClr val="dk1"/>
+                </a:solidFill>
+              </a:rPr>
+              <a:t>that consists of the bottom left quadrant of </a:t>
+            </a:r>
+            <a:r>
+              <a:rPr lang="en" sz="1200" dirty="0">
+                <a:solidFill>
+                  <a:schemeClr val="dk1"/>
+                </a:solidFill>
+                <a:latin typeface="Courier New"/>
+                <a:ea typeface="Courier New"/>
+                <a:cs typeface="Courier New"/>
+                <a:sym typeface="Courier New"/>
+              </a:rPr>
+              <a:t>A </a:t>
+            </a:r>
+            <a:r>
+              <a:rPr lang="en-US" sz="1200" dirty="0">
+                <a:solidFill>
+                  <a:schemeClr val="dk1"/>
+                </a:solidFill>
+              </a:rPr>
+              <a:t>(Use function </a:t>
+            </a:r>
+            <a:r>
+              <a:rPr lang="en" sz="1200" dirty="0">
+                <a:solidFill>
+                  <a:schemeClr val="dk1"/>
+                </a:solidFill>
+                <a:latin typeface="Courier New"/>
+                <a:cs typeface="Courier New"/>
+                <a:sym typeface="Courier New"/>
+              </a:rPr>
+              <a:t>2.3 </a:t>
+            </a:r>
+            <a:r>
+              <a:rPr lang="en-US" sz="1200" dirty="0">
+                <a:solidFill>
+                  <a:schemeClr val="dk1"/>
+                </a:solidFill>
+              </a:rPr>
+              <a:t>and return </a:t>
+            </a:r>
+            <a:r>
+              <a:rPr lang="en" sz="1200" dirty="0">
+                <a:solidFill>
+                  <a:schemeClr val="dk1"/>
+                </a:solidFill>
+                <a:latin typeface="Courier New"/>
+                <a:ea typeface="Courier New"/>
+                <a:cs typeface="Courier New"/>
+                <a:sym typeface="Courier New"/>
+              </a:rPr>
+              <a:t>X. </a:t>
+            </a:r>
+            <a:r>
+              <a:rPr lang="en-US" sz="1200" dirty="0">
+                <a:solidFill>
+                  <a:schemeClr val="dk1"/>
+                </a:solidFill>
+              </a:rPr>
+              <a:t>Provide the histogram in your answer sheet.</a:t>
+            </a:r>
+            <a:endParaRPr sz="1200" dirty="0">
+              <a:solidFill>
+                <a:schemeClr val="dk1"/>
+              </a:solidFill>
+            </a:endParaRPr>
+          </a:p>
+          <a:p>
+            <a:pPr marL="0" lvl="0" indent="0" algn="l" rtl="0">
+              <a:lnSpc>
+                <a:spcPct val="115000"/>
+              </a:lnSpc>
+              <a:spcBef>
+                <a:spcPts val="0"/>
+              </a:spcBef>
+              <a:spcAft>
+                <a:spcPts val="0"/>
+              </a:spcAft>
+              <a:buSzPts val="1400"/>
+              <a:buNone/>
+            </a:pPr>
+            <a:endParaRPr b="1" dirty="0"/>
+          </a:p>
+          <a:p>
+            <a:pPr marL="0" lvl="0" indent="0" algn="l" rtl="0">
+              <a:lnSpc>
+                <a:spcPct val="115000"/>
+              </a:lnSpc>
+              <a:spcBef>
+                <a:spcPts val="1600"/>
+              </a:spcBef>
+              <a:spcAft>
+                <a:spcPts val="1600"/>
+              </a:spcAft>
+              <a:buSzPts val="1400"/>
+              <a:buNone/>
+            </a:pPr>
+            <a:endParaRPr dirty="0"/>
+          </a:p>
+        </p:txBody>
+      </p:sp>
+      <p:sp>
+        <p:nvSpPr>
+          <p:cNvPr id="4" name="TextBox 3">
+            <a:extLst>
+              <a:ext uri="{FF2B5EF4-FFF2-40B4-BE49-F238E27FC236}">
+                <a16:creationId xmlns:a16="http://schemas.microsoft.com/office/drawing/2014/main" id="{D7B3BBFB-8B40-EF21-6225-250BC7FC9DA4}"/>
+              </a:ext>
+            </a:extLst>
+          </p:cNvPr>
+          <p:cNvSpPr txBox="1"/>
+          <p:nvPr/>
+        </p:nvSpPr>
+        <p:spPr>
+          <a:xfrm>
+            <a:off x="260400" y="2073498"/>
+            <a:ext cx="4572000" cy="332014"/>
+          </a:xfrm>
+          <a:prstGeom prst="rect">
+            <a:avLst/>
+          </a:prstGeom>
+          <a:noFill/>
+        </p:spPr>
+        <p:txBody>
+          <a:bodyPr wrap="square">
+            <a:spAutoFit/>
+          </a:bodyPr>
+          <a:lstStyle/>
+          <a:p>
+            <a:pPr marL="457200" marR="0" lvl="0" indent="0" algn="l" rtl="0">
+              <a:lnSpc>
+                <a:spcPct val="115000"/>
+              </a:lnSpc>
+              <a:spcBef>
+                <a:spcPts val="0"/>
+              </a:spcBef>
+              <a:spcAft>
+                <a:spcPts val="0"/>
+              </a:spcAft>
+              <a:buNone/>
+            </a:pPr>
+            <a:r>
+              <a:rPr lang="en-US" sz="1400" dirty="0">
+                <a:solidFill>
+                  <a:srgbClr val="FF0000"/>
+                </a:solidFill>
+                <a:latin typeface="Courier New"/>
+                <a:ea typeface="Courier New"/>
+                <a:cs typeface="Courier New"/>
+                <a:sym typeface="Courier New"/>
+              </a:rPr>
+              <a:t>Insert plot here</a:t>
+            </a:r>
+          </a:p>
+        </p:txBody>
+      </p:sp>
+      <p:sp>
+        <p:nvSpPr>
+          <p:cNvPr id="5" name="Google Shape;78;p17">
+            <a:extLst>
+              <a:ext uri="{FF2B5EF4-FFF2-40B4-BE49-F238E27FC236}">
+                <a16:creationId xmlns:a16="http://schemas.microsoft.com/office/drawing/2014/main" id="{638A45C4-EE32-334E-BCE3-F2A0F183984E}"/>
+              </a:ext>
+            </a:extLst>
+          </p:cNvPr>
+          <p:cNvSpPr txBox="1">
+            <a:spLocks/>
+          </p:cNvSpPr>
+          <p:nvPr/>
+        </p:nvSpPr>
+        <p:spPr>
+          <a:xfrm>
+            <a:off x="4362900" y="438800"/>
+            <a:ext cx="3999900" cy="4130100"/>
+          </a:xfrm>
+          <a:prstGeom prst="rect">
+            <a:avLst/>
+          </a:prstGeom>
+          <a:noFill/>
+          <a:ln>
+            <a:noFill/>
+          </a:ln>
+        </p:spPr>
+        <p:txBody>
+          <a:bodyPr spcFirstLastPara="1" wrap="square" lIns="91425" tIns="91425" rIns="91425" bIns="91425" anchor="t" anchorCtr="0">
+            <a:noAutofit/>
+          </a:bodyPr>
+          <a:lstStyle>
+            <a:defPPr marR="0" lvl="0" algn="l" rtl="0">
+              <a:lnSpc>
+                <a:spcPct val="100000"/>
+              </a:lnSpc>
+              <a:spcBef>
+                <a:spcPts val="0"/>
+              </a:spcBef>
+              <a:spcAft>
+                <a:spcPts val="0"/>
+              </a:spcAft>
+            </a:defPPr>
+            <a:lvl1pPr marL="457200" marR="0" lvl="0" indent="-317500" algn="l" rtl="0">
+              <a:lnSpc>
+                <a:spcPct val="115000"/>
+              </a:lnSpc>
+              <a:spcBef>
+                <a:spcPts val="0"/>
+              </a:spcBef>
+              <a:spcAft>
+                <a:spcPts val="0"/>
+              </a:spcAft>
+              <a:buClr>
+                <a:schemeClr val="dk2"/>
+              </a:buClr>
+              <a:buSzPts val="1400"/>
+              <a:buFont typeface="Arial"/>
+              <a:buChar char="●"/>
+              <a:defRPr sz="1400" b="0" i="0" u="none" strike="noStrike" cap="none">
+                <a:solidFill>
+                  <a:schemeClr val="dk2"/>
+                </a:solidFill>
+                <a:latin typeface="Arial"/>
+                <a:ea typeface="Arial"/>
+                <a:cs typeface="Arial"/>
+                <a:sym typeface="Arial"/>
+              </a:defRPr>
+            </a:lvl1pPr>
+            <a:lvl2pPr marL="914400" marR="0" lvl="1" indent="-304800" algn="l" rtl="0">
+              <a:lnSpc>
+                <a:spcPct val="115000"/>
+              </a:lnSpc>
+              <a:spcBef>
+                <a:spcPts val="1600"/>
+              </a:spcBef>
+              <a:spcAft>
+                <a:spcPts val="0"/>
+              </a:spcAft>
+              <a:buClr>
+                <a:schemeClr val="dk2"/>
+              </a:buClr>
+              <a:buSzPts val="1200"/>
+              <a:buFont typeface="Arial"/>
+              <a:buChar char="○"/>
+              <a:defRPr sz="1200" b="0" i="0" u="none" strike="noStrike" cap="none">
+                <a:solidFill>
+                  <a:schemeClr val="dk2"/>
+                </a:solidFill>
+                <a:latin typeface="Arial"/>
+                <a:ea typeface="Arial"/>
+                <a:cs typeface="Arial"/>
+                <a:sym typeface="Arial"/>
+              </a:defRPr>
+            </a:lvl2pPr>
+            <a:lvl3pPr marL="1371600" marR="0" lvl="2" indent="-304800" algn="l" rtl="0">
+              <a:lnSpc>
+                <a:spcPct val="115000"/>
+              </a:lnSpc>
+              <a:spcBef>
+                <a:spcPts val="1600"/>
+              </a:spcBef>
+              <a:spcAft>
+                <a:spcPts val="0"/>
+              </a:spcAft>
+              <a:buClr>
+                <a:schemeClr val="dk2"/>
+              </a:buClr>
+              <a:buSzPts val="1200"/>
+              <a:buFont typeface="Arial"/>
+              <a:buChar char="■"/>
+              <a:defRPr sz="1200" b="0" i="0" u="none" strike="noStrike" cap="none">
+                <a:solidFill>
+                  <a:schemeClr val="dk2"/>
+                </a:solidFill>
+                <a:latin typeface="Arial"/>
+                <a:ea typeface="Arial"/>
+                <a:cs typeface="Arial"/>
+                <a:sym typeface="Arial"/>
+              </a:defRPr>
+            </a:lvl3pPr>
+            <a:lvl4pPr marL="1828800" marR="0" lvl="3" indent="-304800" algn="l" rtl="0">
+              <a:lnSpc>
+                <a:spcPct val="115000"/>
+              </a:lnSpc>
+              <a:spcBef>
+                <a:spcPts val="1600"/>
+              </a:spcBef>
+              <a:spcAft>
+                <a:spcPts val="0"/>
+              </a:spcAft>
+              <a:buClr>
+                <a:schemeClr val="dk2"/>
+              </a:buClr>
+              <a:buSzPts val="1200"/>
+              <a:buFont typeface="Arial"/>
+              <a:buChar char="●"/>
+              <a:defRPr sz="1200" b="0" i="0" u="none" strike="noStrike" cap="none">
+                <a:solidFill>
+                  <a:schemeClr val="dk2"/>
+                </a:solidFill>
+                <a:latin typeface="Arial"/>
+                <a:ea typeface="Arial"/>
+                <a:cs typeface="Arial"/>
+                <a:sym typeface="Arial"/>
+              </a:defRPr>
+            </a:lvl4pPr>
+            <a:lvl5pPr marL="2286000" marR="0" lvl="4" indent="-304800" algn="l" rtl="0">
+              <a:lnSpc>
+                <a:spcPct val="115000"/>
+              </a:lnSpc>
+              <a:spcBef>
+                <a:spcPts val="1600"/>
+              </a:spcBef>
+              <a:spcAft>
+                <a:spcPts val="0"/>
+              </a:spcAft>
+              <a:buClr>
+                <a:schemeClr val="dk2"/>
+              </a:buClr>
+              <a:buSzPts val="1200"/>
+              <a:buFont typeface="Arial"/>
+              <a:buChar char="○"/>
+              <a:defRPr sz="1200" b="0" i="0" u="none" strike="noStrike" cap="none">
+                <a:solidFill>
+                  <a:schemeClr val="dk2"/>
+                </a:solidFill>
+                <a:latin typeface="Arial"/>
+                <a:ea typeface="Arial"/>
+                <a:cs typeface="Arial"/>
+                <a:sym typeface="Arial"/>
+              </a:defRPr>
+            </a:lvl5pPr>
+            <a:lvl6pPr marL="2743200" marR="0" lvl="5" indent="-304800" algn="l" rtl="0">
+              <a:lnSpc>
+                <a:spcPct val="115000"/>
+              </a:lnSpc>
+              <a:spcBef>
+                <a:spcPts val="1600"/>
+              </a:spcBef>
+              <a:spcAft>
+                <a:spcPts val="0"/>
+              </a:spcAft>
+              <a:buClr>
+                <a:schemeClr val="dk2"/>
+              </a:buClr>
+              <a:buSzPts val="1200"/>
+              <a:buFont typeface="Arial"/>
+              <a:buChar char="■"/>
+              <a:defRPr sz="1200" b="0" i="0" u="none" strike="noStrike" cap="none">
+                <a:solidFill>
+                  <a:schemeClr val="dk2"/>
+                </a:solidFill>
+                <a:latin typeface="Arial"/>
+                <a:ea typeface="Arial"/>
+                <a:cs typeface="Arial"/>
+                <a:sym typeface="Arial"/>
+              </a:defRPr>
+            </a:lvl6pPr>
+            <a:lvl7pPr marL="3200400" marR="0" lvl="6" indent="-304800" algn="l" rtl="0">
+              <a:lnSpc>
+                <a:spcPct val="115000"/>
+              </a:lnSpc>
+              <a:spcBef>
+                <a:spcPts val="1600"/>
+              </a:spcBef>
+              <a:spcAft>
+                <a:spcPts val="0"/>
+              </a:spcAft>
+              <a:buClr>
+                <a:schemeClr val="dk2"/>
+              </a:buClr>
+              <a:buSzPts val="1200"/>
+              <a:buFont typeface="Arial"/>
+              <a:buChar char="●"/>
+              <a:defRPr sz="1200" b="0" i="0" u="none" strike="noStrike" cap="none">
+                <a:solidFill>
+                  <a:schemeClr val="dk2"/>
+                </a:solidFill>
+                <a:latin typeface="Arial"/>
+                <a:ea typeface="Arial"/>
+                <a:cs typeface="Arial"/>
+                <a:sym typeface="Arial"/>
+              </a:defRPr>
+            </a:lvl7pPr>
+            <a:lvl8pPr marL="3657600" marR="0" lvl="7" indent="-304800" algn="l" rtl="0">
+              <a:lnSpc>
+                <a:spcPct val="115000"/>
+              </a:lnSpc>
+              <a:spcBef>
+                <a:spcPts val="1600"/>
+              </a:spcBef>
+              <a:spcAft>
+                <a:spcPts val="0"/>
+              </a:spcAft>
+              <a:buClr>
+                <a:schemeClr val="dk2"/>
+              </a:buClr>
+              <a:buSzPts val="1200"/>
+              <a:buFont typeface="Arial"/>
+              <a:buChar char="○"/>
+              <a:defRPr sz="1200" b="0" i="0" u="none" strike="noStrike" cap="none">
+                <a:solidFill>
+                  <a:schemeClr val="dk2"/>
+                </a:solidFill>
+                <a:latin typeface="Arial"/>
+                <a:ea typeface="Arial"/>
+                <a:cs typeface="Arial"/>
+                <a:sym typeface="Arial"/>
+              </a:defRPr>
+            </a:lvl8pPr>
+            <a:lvl9pPr marL="4114800" marR="0" lvl="8" indent="-304800" algn="l" rtl="0">
+              <a:lnSpc>
+                <a:spcPct val="115000"/>
+              </a:lnSpc>
+              <a:spcBef>
+                <a:spcPts val="1600"/>
+              </a:spcBef>
+              <a:spcAft>
+                <a:spcPts val="1600"/>
+              </a:spcAft>
+              <a:buClr>
+                <a:schemeClr val="dk2"/>
+              </a:buClr>
+              <a:buSzPts val="1200"/>
+              <a:buFont typeface="Arial"/>
+              <a:buChar char="■"/>
+              <a:defRPr sz="1200" b="0" i="0" u="none" strike="noStrike" cap="none">
+                <a:solidFill>
+                  <a:schemeClr val="dk2"/>
+                </a:solidFill>
+                <a:latin typeface="Arial"/>
+                <a:ea typeface="Arial"/>
+                <a:cs typeface="Arial"/>
+                <a:sym typeface="Arial"/>
+              </a:defRPr>
+            </a:lvl9pPr>
+          </a:lstStyle>
+          <a:p>
+            <a:pPr marL="0" indent="0">
+              <a:lnSpc>
+                <a:spcPct val="100000"/>
+              </a:lnSpc>
+              <a:buClr>
+                <a:schemeClr val="dk1"/>
+              </a:buClr>
+              <a:buSzPts val="2800"/>
+              <a:buFont typeface="Arial"/>
+              <a:buNone/>
+            </a:pPr>
+            <a:r>
+              <a:rPr lang="en-US" b="1" dirty="0"/>
+              <a:t>2.5</a:t>
+            </a:r>
+            <a:r>
+              <a:rPr lang="en-US" sz="1200" dirty="0">
+                <a:solidFill>
+                  <a:schemeClr val="dk1"/>
+                </a:solidFill>
+              </a:rPr>
+              <a:t> Create and return a new matrix </a:t>
+            </a:r>
+            <a:r>
+              <a:rPr lang="en-US" sz="1200" dirty="0">
+                <a:solidFill>
+                  <a:schemeClr val="dk1"/>
+                </a:solidFill>
+                <a:latin typeface="Courier New"/>
+                <a:cs typeface="Courier New"/>
+                <a:sym typeface="Courier New"/>
+              </a:rPr>
+              <a:t>X </a:t>
+            </a:r>
+            <a:r>
+              <a:rPr lang="en-US" sz="1200" dirty="0">
+                <a:solidFill>
+                  <a:schemeClr val="dk1"/>
+                </a:solidFill>
+              </a:rPr>
+              <a:t>that consists of the bottom left quadrant of </a:t>
+            </a:r>
+            <a:r>
+              <a:rPr lang="en-US" sz="1200" dirty="0">
+                <a:solidFill>
+                  <a:schemeClr val="dk1"/>
+                </a:solidFill>
+                <a:latin typeface="Courier New"/>
+                <a:ea typeface="Courier New"/>
+                <a:cs typeface="Courier New"/>
+                <a:sym typeface="Courier New"/>
+              </a:rPr>
+              <a:t>A </a:t>
+            </a:r>
+            <a:r>
+              <a:rPr lang="en-US" sz="1200" dirty="0">
+                <a:solidFill>
+                  <a:schemeClr val="dk1"/>
+                </a:solidFill>
+              </a:rPr>
+              <a:t>(Use function </a:t>
+            </a:r>
+            <a:r>
+              <a:rPr lang="en-US" sz="1200" dirty="0">
+                <a:solidFill>
+                  <a:schemeClr val="dk1"/>
+                </a:solidFill>
+                <a:latin typeface="Courier New"/>
+                <a:cs typeface="Courier New"/>
+                <a:sym typeface="Courier New"/>
+              </a:rPr>
+              <a:t>2.3 </a:t>
+            </a:r>
+            <a:r>
+              <a:rPr lang="en-US" sz="1200" dirty="0">
+                <a:solidFill>
+                  <a:schemeClr val="dk1"/>
+                </a:solidFill>
+              </a:rPr>
+              <a:t>and return </a:t>
+            </a:r>
+            <a:r>
+              <a:rPr lang="en-US" sz="1200" dirty="0">
+                <a:solidFill>
+                  <a:schemeClr val="dk1"/>
+                </a:solidFill>
+                <a:latin typeface="Courier New"/>
+                <a:ea typeface="Courier New"/>
+                <a:cs typeface="Courier New"/>
+                <a:sym typeface="Courier New"/>
+              </a:rPr>
+              <a:t>X. </a:t>
+            </a:r>
+            <a:r>
+              <a:rPr lang="en-US" sz="1200" dirty="0">
+                <a:solidFill>
+                  <a:schemeClr val="dk1"/>
+                </a:solidFill>
+              </a:rPr>
+              <a:t>Provide the histogram in your answer sheet.</a:t>
+            </a:r>
+          </a:p>
+          <a:p>
+            <a:pPr marL="0" indent="0">
+              <a:lnSpc>
+                <a:spcPct val="100000"/>
+              </a:lnSpc>
+              <a:buClr>
+                <a:schemeClr val="dk1"/>
+              </a:buClr>
+              <a:buSzPts val="2800"/>
+              <a:buFont typeface="Arial"/>
+              <a:buNone/>
+            </a:pPr>
+            <a:r>
+              <a:rPr lang="en-US" sz="1200" dirty="0">
+                <a:solidFill>
+                  <a:schemeClr val="tx1"/>
+                </a:solidFill>
+              </a:rPr>
+              <a:t>Create and return a new matrix </a:t>
+            </a:r>
+            <a:r>
+              <a:rPr lang="en-US" sz="1200" dirty="0">
+                <a:solidFill>
+                  <a:schemeClr val="tx1"/>
+                </a:solidFill>
+                <a:latin typeface="Courier New" panose="02070309020205020404" pitchFamily="49" charset="0"/>
+                <a:cs typeface="Courier New" panose="02070309020205020404" pitchFamily="49" charset="0"/>
+              </a:rPr>
+              <a:t>Z</a:t>
+            </a:r>
+            <a:r>
+              <a:rPr lang="en-US" sz="1200" dirty="0">
+                <a:solidFill>
+                  <a:schemeClr val="tx1"/>
+                </a:solidFill>
+              </a:rPr>
+              <a:t> that represents a color image the same size as</a:t>
+            </a:r>
+            <a:r>
+              <a:rPr lang="en-US" sz="1200" dirty="0">
+                <a:solidFill>
+                  <a:schemeClr val="dk1"/>
+                </a:solidFill>
+                <a:latin typeface="Courier New"/>
+                <a:ea typeface="Courier New"/>
+                <a:cs typeface="Courier New"/>
+                <a:sym typeface="Courier New"/>
+              </a:rPr>
+              <a:t> A, </a:t>
+            </a:r>
+            <a:r>
+              <a:rPr lang="en-US" sz="1200" dirty="0">
+                <a:solidFill>
+                  <a:schemeClr val="tx1"/>
+                </a:solidFill>
+              </a:rPr>
+              <a:t>but with 3 channels to represent R, G and B values. Set the values to be red (i.e., R = 1, G = 0, B = 0) wherever the intensity in </a:t>
+            </a:r>
+            <a:r>
+              <a:rPr lang="en-US" sz="1200" dirty="0">
+                <a:solidFill>
+                  <a:schemeClr val="tx1"/>
+                </a:solidFill>
+                <a:latin typeface="Courier New" panose="02070309020205020404" pitchFamily="49" charset="0"/>
+                <a:cs typeface="Courier New" panose="02070309020205020404" pitchFamily="49" charset="0"/>
+              </a:rPr>
+              <a:t>A</a:t>
+            </a:r>
+            <a:r>
+              <a:rPr lang="en-US" sz="1200" dirty="0">
+                <a:solidFill>
+                  <a:schemeClr val="tx1"/>
+                </a:solidFill>
+              </a:rPr>
+              <a:t> is greater than a threshold t = the average intensity in </a:t>
+            </a:r>
+            <a:r>
+              <a:rPr lang="en-US" sz="1200" dirty="0">
+                <a:solidFill>
+                  <a:schemeClr val="tx1"/>
+                </a:solidFill>
+                <a:latin typeface="Courier New" panose="02070309020205020404" pitchFamily="49" charset="0"/>
+                <a:cs typeface="Courier New" panose="02070309020205020404" pitchFamily="49" charset="0"/>
+              </a:rPr>
+              <a:t>A</a:t>
+            </a:r>
+            <a:r>
+              <a:rPr lang="en-US" sz="1200" dirty="0">
+                <a:solidFill>
+                  <a:schemeClr val="tx1"/>
+                </a:solidFill>
+              </a:rPr>
+              <a:t>, and black everywhere else. Provide the image </a:t>
+            </a:r>
+            <a:r>
+              <a:rPr lang="en-US" sz="1200" dirty="0">
+                <a:solidFill>
+                  <a:schemeClr val="tx1"/>
+                </a:solidFill>
+                <a:latin typeface="Courier New" panose="02070309020205020404" pitchFamily="49" charset="0"/>
+                <a:cs typeface="Courier New" panose="02070309020205020404" pitchFamily="49" charset="0"/>
+              </a:rPr>
+              <a:t>Z</a:t>
+            </a:r>
+            <a:r>
+              <a:rPr lang="en-US" sz="1200" dirty="0">
+                <a:solidFill>
+                  <a:schemeClr val="tx1"/>
+                </a:solidFill>
+              </a:rPr>
+              <a:t> in your answer sheet.</a:t>
+            </a:r>
+            <a:endParaRPr lang="en-US" dirty="0"/>
+          </a:p>
+        </p:txBody>
+      </p:sp>
+      <p:sp>
+        <p:nvSpPr>
+          <p:cNvPr id="7" name="TextBox 6">
+            <a:extLst>
+              <a:ext uri="{FF2B5EF4-FFF2-40B4-BE49-F238E27FC236}">
+                <a16:creationId xmlns:a16="http://schemas.microsoft.com/office/drawing/2014/main" id="{87965D8C-FB72-6834-EE52-3AD06EBAB744}"/>
+              </a:ext>
+            </a:extLst>
+          </p:cNvPr>
+          <p:cNvSpPr txBox="1"/>
+          <p:nvPr/>
+        </p:nvSpPr>
+        <p:spPr>
+          <a:xfrm>
+            <a:off x="4260300" y="2745738"/>
+            <a:ext cx="4572000" cy="332014"/>
+          </a:xfrm>
+          <a:prstGeom prst="rect">
+            <a:avLst/>
+          </a:prstGeom>
+          <a:noFill/>
+        </p:spPr>
+        <p:txBody>
+          <a:bodyPr wrap="square">
+            <a:spAutoFit/>
+          </a:bodyPr>
+          <a:lstStyle/>
+          <a:p>
+            <a:pPr marL="457200" marR="0" lvl="0" indent="0" algn="l" rtl="0">
+              <a:lnSpc>
+                <a:spcPct val="115000"/>
+              </a:lnSpc>
+              <a:spcBef>
+                <a:spcPts val="0"/>
+              </a:spcBef>
+              <a:spcAft>
+                <a:spcPts val="0"/>
+              </a:spcAft>
+              <a:buNone/>
+            </a:pPr>
+            <a:r>
+              <a:rPr lang="en-US" sz="1400" dirty="0">
+                <a:solidFill>
+                  <a:srgbClr val="FF0000"/>
+                </a:solidFill>
+                <a:latin typeface="Courier New"/>
+                <a:ea typeface="Courier New"/>
+                <a:cs typeface="Courier New"/>
+                <a:sym typeface="Courier New"/>
+              </a:rPr>
+              <a:t>Insert plot here</a:t>
+            </a:r>
+          </a:p>
+        </p:txBody>
+      </p:sp>
+    </p:spTree>
+    <p:extLst>
+      <p:ext uri="{BB962C8B-B14F-4D97-AF65-F5344CB8AC3E}">
+        <p14:creationId xmlns:p14="http://schemas.microsoft.com/office/powerpoint/2010/main" val="3824515514"/>
+      </p:ext>
+    </p:extLst>
+  </p:cSld>
+  <p:clrMapOvr>
+    <a:masterClrMapping/>
+  </p:clrMapOvr>
+</p:sld>
+</file>
+
+<file path=ppt/slides/slide6.xml><?xml version="1.0" encoding="utf-8"?>
+<p:sld xmlns:a="http://schemas.openxmlformats.org/drawingml/2006/main" xmlns:r="http://schemas.openxmlformats.org/officeDocument/2006/relationships" xmlns:p="http://schemas.openxmlformats.org/presentationml/2006/main">
+  <p:cSld>
+    <p:spTree>
+      <p:nvGrpSpPr>
         <p:cNvPr id="1" name="Shape 83"/>
         <p:cNvGrpSpPr/>
         <p:nvPr/>
@@ -12662,7 +13611,7 @@
 </p:sld>
 </file>
 
-<file path=ppt/slides/slide6.xml><?xml version="1.0" encoding="utf-8"?>
+<file path=ppt/slides/slide7.xml><?xml version="1.0" encoding="utf-8"?>
 <p:sld xmlns:a="http://schemas.openxmlformats.org/drawingml/2006/main" xmlns:r="http://schemas.openxmlformats.org/officeDocument/2006/relationships" xmlns:p="http://schemas.openxmlformats.org/presentationml/2006/main">
   <p:cSld>
     <p:spTree>
@@ -13072,7 +14021,7 @@
 </p:sld>
 </file>
 
-<file path=ppt/slides/slide7.xml><?xml version="1.0" encoding="utf-8"?>
+<file path=ppt/slides/slide8.xml><?xml version="1.0" encoding="utf-8"?>
 <p:sld xmlns:a="http://schemas.openxmlformats.org/drawingml/2006/main" xmlns:r="http://schemas.openxmlformats.org/officeDocument/2006/relationships" xmlns:p="http://schemas.openxmlformats.org/presentationml/2006/main">
   <p:cSld>
     <p:spTree>
